--- a/67堅守不屈.pptx
+++ b/67堅守不屈.pptx
@@ -252,7 +252,7 @@
             <a:fld id="{74BC4726-2204-402F-8651-3DE2807316DF}" type="datetimeFigureOut">
               <a:rPr lang="en-US" smtClean="0"/>
               <a:pPr/>
-              <a:t>7/17/2016</a:t>
+              <a:t>2/9/2019</a:t>
             </a:fld>
             <a:endParaRPr lang="en-US"/>
           </a:p>
@@ -1123,7 +1123,7 @@
             <a:fld id="{74BC4726-2204-402F-8651-3DE2807316DF}" type="datetimeFigureOut">
               <a:rPr lang="en-US" smtClean="0"/>
               <a:pPr/>
-              <a:t>7/17/2016</a:t>
+              <a:t>2/9/2019</a:t>
             </a:fld>
             <a:endParaRPr lang="en-US"/>
           </a:p>
@@ -1300,7 +1300,7 @@
             <a:fld id="{74BC4726-2204-402F-8651-3DE2807316DF}" type="datetimeFigureOut">
               <a:rPr lang="en-US" smtClean="0"/>
               <a:pPr/>
-              <a:t>7/17/2016</a:t>
+              <a:t>2/9/2019</a:t>
             </a:fld>
             <a:endParaRPr lang="en-US"/>
           </a:p>
@@ -1472,7 +1472,7 @@
             <a:fld id="{74BC4726-2204-402F-8651-3DE2807316DF}" type="datetimeFigureOut">
               <a:rPr lang="en-US" smtClean="0"/>
               <a:pPr/>
-              <a:t>7/17/2016</a:t>
+              <a:t>2/9/2019</a:t>
             </a:fld>
             <a:endParaRPr lang="en-US"/>
           </a:p>
@@ -1684,7 +1684,7 @@
             <a:fld id="{74BC4726-2204-402F-8651-3DE2807316DF}" type="datetimeFigureOut">
               <a:rPr lang="en-US" smtClean="0"/>
               <a:pPr/>
-              <a:t>7/17/2016</a:t>
+              <a:t>2/9/2019</a:t>
             </a:fld>
             <a:endParaRPr lang="en-US"/>
           </a:p>
@@ -2500,7 +2500,7 @@
             <a:fld id="{74BC4726-2204-402F-8651-3DE2807316DF}" type="datetimeFigureOut">
               <a:rPr lang="en-US" smtClean="0"/>
               <a:pPr/>
-              <a:t>7/17/2016</a:t>
+              <a:t>2/9/2019</a:t>
             </a:fld>
             <a:endParaRPr lang="en-US"/>
           </a:p>
@@ -2738,7 +2738,7 @@
             <a:fld id="{74BC4726-2204-402F-8651-3DE2807316DF}" type="datetimeFigureOut">
               <a:rPr lang="en-US" smtClean="0"/>
               <a:pPr/>
-              <a:t>7/17/2016</a:t>
+              <a:t>2/9/2019</a:t>
             </a:fld>
             <a:endParaRPr lang="en-US"/>
           </a:p>
@@ -3063,7 +3063,7 @@
             <a:fld id="{74BC4726-2204-402F-8651-3DE2807316DF}" type="datetimeFigureOut">
               <a:rPr lang="en-US" smtClean="0"/>
               <a:pPr/>
-              <a:t>7/17/2016</a:t>
+              <a:t>2/9/2019</a:t>
             </a:fld>
             <a:endParaRPr lang="en-US"/>
           </a:p>
@@ -3155,7 +3155,7 @@
             <a:fld id="{74BC4726-2204-402F-8651-3DE2807316DF}" type="datetimeFigureOut">
               <a:rPr lang="en-US" smtClean="0"/>
               <a:pPr/>
-              <a:t>7/17/2016</a:t>
+              <a:t>2/9/2019</a:t>
             </a:fld>
             <a:endParaRPr lang="en-US"/>
           </a:p>
@@ -3674,7 +3674,7 @@
             <a:fld id="{74BC4726-2204-402F-8651-3DE2807316DF}" type="datetimeFigureOut">
               <a:rPr lang="en-US" smtClean="0"/>
               <a:pPr/>
-              <a:t>7/17/2016</a:t>
+              <a:t>2/9/2019</a:t>
             </a:fld>
             <a:endParaRPr lang="en-US"/>
           </a:p>
@@ -4187,7 +4187,7 @@
             <a:fld id="{74BC4726-2204-402F-8651-3DE2807316DF}" type="datetimeFigureOut">
               <a:rPr lang="en-US" smtClean="0"/>
               <a:pPr/>
-              <a:t>7/17/2016</a:t>
+              <a:t>2/9/2019</a:t>
             </a:fld>
             <a:endParaRPr lang="en-US"/>
           </a:p>
@@ -4434,7 +4434,7 @@
             <a:fld id="{74BC4726-2204-402F-8651-3DE2807316DF}" type="datetimeFigureOut">
               <a:rPr lang="en-US" smtClean="0"/>
               <a:pPr/>
-              <a:t>7/17/2016</a:t>
+              <a:t>2/9/2019</a:t>
             </a:fld>
             <a:endParaRPr lang="en-US"/>
           </a:p>
@@ -5058,10 +5058,16 @@
           <a:lstStyle/>
           <a:p>
             <a:r>
-              <a:rPr lang="zh-CN" altLang="en-US" sz="8800" dirty="0" smtClean="0"/>
+              <a:rPr lang="zh-CN" altLang="en-US" sz="8800" dirty="0" smtClean="0">
+                <a:latin typeface="微軟正黑體" pitchFamily="34" charset="-120"/>
+                <a:ea typeface="微軟正黑體" pitchFamily="34" charset="-120"/>
+              </a:rPr>
               <a:t>堅守不屈</a:t>
             </a:r>
-            <a:endParaRPr lang="en-US" sz="8800" dirty="0"/>
+            <a:endParaRPr lang="en-US" sz="8800" dirty="0">
+              <a:latin typeface="微軟正黑體" pitchFamily="34" charset="-120"/>
+              <a:ea typeface="微軟正黑體" pitchFamily="34" charset="-120"/>
+            </a:endParaRPr>
           </a:p>
         </p:txBody>
       </p:sp>
@@ -5083,90 +5089,156 @@
           <a:lstStyle/>
           <a:p>
             <a:r>
-              <a:rPr lang="zh-CN" altLang="en-US" dirty="0" smtClean="0"/>
+              <a:rPr lang="zh-CN" altLang="en-US" dirty="0" smtClean="0">
+                <a:latin typeface="微軟正黑體" pitchFamily="34" charset="-120"/>
+                <a:ea typeface="微軟正黑體" pitchFamily="34" charset="-120"/>
+              </a:rPr>
               <a:t>腓</a:t>
             </a:r>
             <a:r>
-              <a:rPr lang="en-US" altLang="zh-CN" dirty="0" smtClean="0"/>
+              <a:rPr lang="en-US" altLang="zh-CN" dirty="0" smtClean="0">
+                <a:latin typeface="微軟正黑體" pitchFamily="34" charset="-120"/>
+                <a:ea typeface="微軟正黑體" pitchFamily="34" charset="-120"/>
+              </a:rPr>
               <a:t>1</a:t>
             </a:r>
             <a:r>
-              <a:rPr lang="zh-CN" altLang="en-US" dirty="0" smtClean="0"/>
+              <a:rPr lang="zh-CN" altLang="en-US" dirty="0" smtClean="0">
+                <a:latin typeface="微軟正黑體" pitchFamily="34" charset="-120"/>
+                <a:ea typeface="微軟正黑體" pitchFamily="34" charset="-120"/>
+              </a:rPr>
               <a:t>：</a:t>
             </a:r>
             <a:r>
-              <a:rPr lang="en-US" altLang="zh-CN" dirty="0" smtClean="0"/>
+              <a:rPr lang="en-US" altLang="zh-CN" dirty="0" smtClean="0">
+                <a:latin typeface="微軟正黑體" pitchFamily="34" charset="-120"/>
+                <a:ea typeface="微軟正黑體" pitchFamily="34" charset="-120"/>
+              </a:rPr>
               <a:t>27</a:t>
             </a:r>
             <a:r>
-              <a:rPr lang="zh-CN" altLang="en-US" dirty="0" smtClean="0"/>
+              <a:rPr lang="zh-CN" altLang="en-US" dirty="0" smtClean="0">
+                <a:latin typeface="微軟正黑體" pitchFamily="34" charset="-120"/>
+                <a:ea typeface="微軟正黑體" pitchFamily="34" charset="-120"/>
+              </a:rPr>
               <a:t>；弗</a:t>
             </a:r>
             <a:r>
-              <a:rPr lang="en-US" altLang="zh-CN" dirty="0" smtClean="0"/>
+              <a:rPr lang="en-US" altLang="zh-CN" dirty="0" smtClean="0">
+                <a:latin typeface="微軟正黑體" pitchFamily="34" charset="-120"/>
+                <a:ea typeface="微軟正黑體" pitchFamily="34" charset="-120"/>
+              </a:rPr>
               <a:t>6</a:t>
             </a:r>
             <a:r>
-              <a:rPr lang="zh-CN" altLang="en-US" dirty="0" smtClean="0"/>
+              <a:rPr lang="zh-CN" altLang="en-US" dirty="0" smtClean="0">
+                <a:latin typeface="微軟正黑體" pitchFamily="34" charset="-120"/>
+                <a:ea typeface="微軟正黑體" pitchFamily="34" charset="-120"/>
+              </a:rPr>
               <a:t>：</a:t>
             </a:r>
             <a:r>
-              <a:rPr lang="en-US" altLang="zh-CN" dirty="0" smtClean="0"/>
+              <a:rPr lang="en-US" altLang="zh-CN" dirty="0" smtClean="0">
+                <a:latin typeface="微軟正黑體" pitchFamily="34" charset="-120"/>
+                <a:ea typeface="微軟正黑體" pitchFamily="34" charset="-120"/>
+              </a:rPr>
               <a:t>10-13</a:t>
             </a:r>
             <a:r>
-              <a:rPr lang="zh-CN" altLang="en-US" dirty="0" smtClean="0"/>
+              <a:rPr lang="zh-CN" altLang="en-US" dirty="0" smtClean="0">
+                <a:latin typeface="微軟正黑體" pitchFamily="34" charset="-120"/>
+                <a:ea typeface="微軟正黑體" pitchFamily="34" charset="-120"/>
+              </a:rPr>
               <a:t>，</a:t>
             </a:r>
             <a:r>
-              <a:rPr lang="en-US" altLang="zh-CN" dirty="0" smtClean="0"/>
+              <a:rPr lang="en-US" altLang="zh-CN" dirty="0" smtClean="0">
+                <a:latin typeface="微軟正黑體" pitchFamily="34" charset="-120"/>
+                <a:ea typeface="微軟正黑體" pitchFamily="34" charset="-120"/>
+              </a:rPr>
               <a:t>18</a:t>
             </a:r>
             <a:r>
-              <a:rPr lang="zh-CN" altLang="en-US" dirty="0" smtClean="0"/>
+              <a:rPr lang="zh-CN" altLang="en-US" dirty="0" smtClean="0">
+                <a:latin typeface="微軟正黑體" pitchFamily="34" charset="-120"/>
+                <a:ea typeface="微軟正黑體" pitchFamily="34" charset="-120"/>
+              </a:rPr>
               <a:t>；提後</a:t>
             </a:r>
             <a:r>
-              <a:rPr lang="en-US" altLang="zh-CN" dirty="0" smtClean="0"/>
+              <a:rPr lang="en-US" altLang="zh-CN" dirty="0" smtClean="0">
+                <a:latin typeface="微軟正黑體" pitchFamily="34" charset="-120"/>
+                <a:ea typeface="微軟正黑體" pitchFamily="34" charset="-120"/>
+              </a:rPr>
               <a:t>2</a:t>
             </a:r>
             <a:r>
-              <a:rPr lang="zh-CN" altLang="en-US" dirty="0" smtClean="0"/>
+              <a:rPr lang="zh-CN" altLang="en-US" dirty="0" smtClean="0">
+                <a:latin typeface="微軟正黑體" pitchFamily="34" charset="-120"/>
+                <a:ea typeface="微軟正黑體" pitchFamily="34" charset="-120"/>
+              </a:rPr>
               <a:t>：</a:t>
             </a:r>
             <a:r>
-              <a:rPr lang="en-US" altLang="zh-CN" dirty="0" smtClean="0"/>
+              <a:rPr lang="en-US" altLang="zh-CN" dirty="0" smtClean="0">
+                <a:latin typeface="微軟正黑體" pitchFamily="34" charset="-120"/>
+                <a:ea typeface="微軟正黑體" pitchFamily="34" charset="-120"/>
+              </a:rPr>
               <a:t>1</a:t>
             </a:r>
             <a:r>
-              <a:rPr lang="zh-CN" altLang="en-US" dirty="0" smtClean="0"/>
+              <a:rPr lang="zh-CN" altLang="en-US" dirty="0" smtClean="0">
+                <a:latin typeface="微軟正黑體" pitchFamily="34" charset="-120"/>
+                <a:ea typeface="微軟正黑體" pitchFamily="34" charset="-120"/>
+              </a:rPr>
               <a:t>，</a:t>
             </a:r>
             <a:r>
-              <a:rPr lang="en-US" altLang="zh-CN" dirty="0" smtClean="0"/>
+              <a:rPr lang="en-US" altLang="zh-CN" dirty="0" smtClean="0">
+                <a:latin typeface="微軟正黑體" pitchFamily="34" charset="-120"/>
+                <a:ea typeface="微軟正黑體" pitchFamily="34" charset="-120"/>
+              </a:rPr>
               <a:t>3-4</a:t>
             </a:r>
             <a:r>
-              <a:rPr lang="zh-CN" altLang="en-US" dirty="0" smtClean="0"/>
+              <a:rPr lang="zh-CN" altLang="en-US" dirty="0" smtClean="0">
+                <a:latin typeface="微軟正黑體" pitchFamily="34" charset="-120"/>
+                <a:ea typeface="微軟正黑體" pitchFamily="34" charset="-120"/>
+              </a:rPr>
               <a:t>；</a:t>
             </a:r>
-            <a:endParaRPr lang="en-US" altLang="zh-CN" dirty="0" smtClean="0"/>
-          </a:p>
-          <a:p>
-            <a:r>
-              <a:rPr lang="zh-CN" altLang="en-US" dirty="0" smtClean="0"/>
+            <a:endParaRPr lang="en-US" altLang="zh-CN" dirty="0" smtClean="0">
+              <a:latin typeface="微軟正黑體" pitchFamily="34" charset="-120"/>
+              <a:ea typeface="微軟正黑體" pitchFamily="34" charset="-120"/>
+            </a:endParaRPr>
+          </a:p>
+          <a:p>
+            <a:r>
+              <a:rPr lang="zh-CN" altLang="en-US" dirty="0" smtClean="0">
+                <a:latin typeface="微軟正黑體" pitchFamily="34" charset="-120"/>
+                <a:ea typeface="微軟正黑體" pitchFamily="34" charset="-120"/>
+              </a:rPr>
               <a:t>林前</a:t>
             </a:r>
             <a:r>
-              <a:rPr lang="en-US" altLang="zh-CN" dirty="0" smtClean="0"/>
+              <a:rPr lang="en-US" altLang="zh-CN" dirty="0" smtClean="0">
+                <a:latin typeface="微軟正黑體" pitchFamily="34" charset="-120"/>
+                <a:ea typeface="微軟正黑體" pitchFamily="34" charset="-120"/>
+              </a:rPr>
               <a:t>15</a:t>
             </a:r>
             <a:r>
-              <a:rPr lang="zh-CN" altLang="en-US" dirty="0" smtClean="0"/>
+              <a:rPr lang="zh-CN" altLang="en-US" dirty="0" smtClean="0">
+                <a:latin typeface="微軟正黑體" pitchFamily="34" charset="-120"/>
+                <a:ea typeface="微軟正黑體" pitchFamily="34" charset="-120"/>
+              </a:rPr>
               <a:t>：</a:t>
             </a:r>
             <a:r>
-              <a:rPr lang="en-US" altLang="zh-CN" dirty="0" smtClean="0"/>
+              <a:rPr lang="en-US" altLang="zh-CN" dirty="0" smtClean="0">
+                <a:latin typeface="微軟正黑體" pitchFamily="34" charset="-120"/>
+                <a:ea typeface="微軟正黑體" pitchFamily="34" charset="-120"/>
+              </a:rPr>
               <a:t>58</a:t>
             </a:r>
           </a:p>
@@ -5220,11 +5292,17 @@
           <a:lstStyle/>
           <a:p>
             <a:r>
-              <a:rPr lang="zh-TW" altLang="en-US" sz="6000" dirty="0" smtClean="0"/>
+              <a:rPr lang="zh-TW" altLang="en-US" sz="6000" dirty="0" smtClean="0">
+                <a:latin typeface="微軟正黑體" pitchFamily="34" charset="-120"/>
+                <a:ea typeface="微軟正黑體" pitchFamily="34" charset="-120"/>
+              </a:rPr>
               <a:t>只要你們行事為人與基督的福音相稱，叫我或來見你們，或不在你們那裡，可以聽見你們的景況，知道你們同有一個心志，站立得穩，為所信的福音齊心努力。</a:t>
             </a:r>
             <a:r>
-              <a:rPr lang="en-US" altLang="zh-TW" sz="6000" dirty="0" smtClean="0"/>
+              <a:rPr lang="en-US" altLang="zh-TW" sz="6000" dirty="0" smtClean="0">
+                <a:latin typeface="微軟正黑體" pitchFamily="34" charset="-120"/>
+                <a:ea typeface="微軟正黑體" pitchFamily="34" charset="-120"/>
+              </a:rPr>
               <a:t> </a:t>
             </a:r>
           </a:p>
@@ -5278,11 +5356,17 @@
           <a:lstStyle/>
           <a:p>
             <a:r>
-              <a:rPr lang="zh-TW" altLang="en-US" sz="6000" b="1" dirty="0" smtClean="0"/>
+              <a:rPr lang="zh-TW" altLang="en-US" sz="6000" b="1" dirty="0" smtClean="0">
+                <a:latin typeface="微軟正黑體" pitchFamily="34" charset="-120"/>
+                <a:ea typeface="微軟正黑體" pitchFamily="34" charset="-120"/>
+              </a:rPr>
               <a:t>我還有末了的話：你們要靠著主，倚賴他的大能大力作剛強的人。要穿戴神所賜的全副軍裝，就能抵擋魔鬼的詭計。</a:t>
             </a:r>
             <a:r>
-              <a:rPr lang="en-US" altLang="zh-TW" sz="6000" b="1" dirty="0" smtClean="0"/>
+              <a:rPr lang="en-US" altLang="zh-TW" sz="6000" b="1" dirty="0" smtClean="0">
+                <a:latin typeface="微軟正黑體" pitchFamily="34" charset="-120"/>
+                <a:ea typeface="微軟正黑體" pitchFamily="34" charset="-120"/>
+              </a:rPr>
               <a:t> </a:t>
             </a:r>
           </a:p>
@@ -5336,14 +5420,16 @@
           <a:lstStyle/>
           <a:p>
             <a:r>
-              <a:rPr lang="zh-TW" altLang="en-US" sz="6000" dirty="0" smtClean="0"/>
-              <a:t>因我們並不是與屬血氣的爭戰，乃是與那些執政的、掌權的、管轄這幽暗世界的，以及天空屬靈氣的惡魔爭戰</a:t>
-            </a:r>
-            <a:r>
-              <a:rPr lang="zh-TW" altLang="en-US" sz="6000" dirty="0" smtClean="0"/>
-              <a:t>。</a:t>
-            </a:r>
-            <a:endParaRPr lang="en-US" altLang="zh-TW" sz="6000" dirty="0" smtClean="0"/>
+              <a:rPr lang="zh-TW" altLang="en-US" sz="6000" dirty="0" smtClean="0">
+                <a:latin typeface="微軟正黑體" pitchFamily="34" charset="-120"/>
+                <a:ea typeface="微軟正黑體" pitchFamily="34" charset="-120"/>
+              </a:rPr>
+              <a:t>因我們並不是與屬血氣的爭戰，乃是與那些執政的、掌權的、管轄這幽暗世界的，以及天空屬靈氣的惡魔爭戰。</a:t>
+            </a:r>
+            <a:endParaRPr lang="en-US" altLang="zh-TW" sz="6000" dirty="0" smtClean="0">
+              <a:latin typeface="微軟正黑體" pitchFamily="34" charset="-120"/>
+              <a:ea typeface="微軟正黑體" pitchFamily="34" charset="-120"/>
+            </a:endParaRPr>
           </a:p>
         </p:txBody>
       </p:sp>
@@ -5395,14 +5481,16 @@
           <a:lstStyle/>
           <a:p>
             <a:r>
-              <a:rPr lang="zh-TW" altLang="en-US" sz="6000" b="1" dirty="0" smtClean="0"/>
-              <a:t>所以</a:t>
-            </a:r>
-            <a:r>
-              <a:rPr lang="zh-TW" altLang="en-US" sz="6000" b="1" dirty="0" smtClean="0"/>
-              <a:t>，要拿起神所賜的全副軍裝，好在磨難的日子抵擋仇敵，並且成就了一切，還能站立得住。</a:t>
-            </a:r>
-            <a:endParaRPr lang="en-US" altLang="zh-TW" sz="6000" b="1" dirty="0" smtClean="0"/>
+              <a:rPr lang="zh-TW" altLang="en-US" sz="6000" b="1" dirty="0" smtClean="0">
+                <a:latin typeface="微軟正黑體" pitchFamily="34" charset="-120"/>
+                <a:ea typeface="微軟正黑體" pitchFamily="34" charset="-120"/>
+              </a:rPr>
+              <a:t>所以，要拿起神所賜的全副軍裝，好在磨難的日子抵擋仇敵，並且成就了一切，還能站立得住。</a:t>
+            </a:r>
+            <a:endParaRPr lang="en-US" altLang="zh-TW" sz="6000" b="1" dirty="0" smtClean="0">
+              <a:latin typeface="微軟正黑體" pitchFamily="34" charset="-120"/>
+              <a:ea typeface="微軟正黑體" pitchFamily="34" charset="-120"/>
+            </a:endParaRPr>
           </a:p>
         </p:txBody>
       </p:sp>
@@ -5454,17 +5542,29 @@
           <a:lstStyle/>
           <a:p>
             <a:r>
-              <a:rPr lang="zh-TW" altLang="en-US" sz="6000" dirty="0" smtClean="0"/>
+              <a:rPr lang="zh-TW" altLang="en-US" sz="6000" dirty="0" smtClean="0">
+                <a:latin typeface="微軟正黑體" pitchFamily="34" charset="-120"/>
+                <a:ea typeface="微軟正黑體" pitchFamily="34" charset="-120"/>
+              </a:rPr>
               <a:t>靠著聖靈，隨時多方禱告祈求；並要在此警醒不倦，為眾聖徒祈求，</a:t>
             </a:r>
-            <a:endParaRPr lang="en-US" altLang="zh-TW" sz="6000" dirty="0" smtClean="0"/>
-          </a:p>
-          <a:p>
-            <a:r>
-              <a:rPr lang="zh-TW" altLang="en-US" sz="6000" b="1" dirty="0" smtClean="0"/>
+            <a:endParaRPr lang="en-US" altLang="zh-TW" sz="6000" dirty="0" smtClean="0">
+              <a:latin typeface="微軟正黑體" pitchFamily="34" charset="-120"/>
+              <a:ea typeface="微軟正黑體" pitchFamily="34" charset="-120"/>
+            </a:endParaRPr>
+          </a:p>
+          <a:p>
+            <a:r>
+              <a:rPr lang="zh-TW" altLang="en-US" sz="6000" b="1" dirty="0" smtClean="0">
+                <a:latin typeface="微軟正黑體" pitchFamily="34" charset="-120"/>
+                <a:ea typeface="微軟正黑體" pitchFamily="34" charset="-120"/>
+              </a:rPr>
               <a:t>你要在基督耶穌的恩典上剛強起來。你要和我同受苦難，好像基督耶穌的精兵。</a:t>
             </a:r>
-            <a:endParaRPr lang="en-US" altLang="zh-TW" sz="6000" b="1" dirty="0" smtClean="0"/>
+            <a:endParaRPr lang="en-US" altLang="zh-TW" sz="6000" b="1" dirty="0" smtClean="0">
+              <a:latin typeface="微軟正黑體" pitchFamily="34" charset="-120"/>
+              <a:ea typeface="微軟正黑體" pitchFamily="34" charset="-120"/>
+            </a:endParaRPr>
           </a:p>
         </p:txBody>
       </p:sp>
@@ -5516,14 +5616,16 @@
           <a:lstStyle/>
           <a:p>
             <a:r>
-              <a:rPr lang="zh-TW" altLang="en-US" sz="6000" dirty="0" smtClean="0"/>
-              <a:t>凡在軍中當兵的，不將世務纏身，好叫那招他當兵的人喜悅</a:t>
-            </a:r>
-            <a:r>
-              <a:rPr lang="zh-TW" altLang="en-US" sz="6000" dirty="0" smtClean="0"/>
-              <a:t>。</a:t>
-            </a:r>
-            <a:endParaRPr lang="en-US" altLang="zh-TW" sz="6000" dirty="0" smtClean="0"/>
+              <a:rPr lang="zh-TW" altLang="en-US" sz="6000" dirty="0" smtClean="0">
+                <a:latin typeface="微軟正黑體" pitchFamily="34" charset="-120"/>
+                <a:ea typeface="微軟正黑體" pitchFamily="34" charset="-120"/>
+              </a:rPr>
+              <a:t>凡在軍中當兵的，不將世務纏身，好叫那招他當兵的人喜悅。</a:t>
+            </a:r>
+            <a:endParaRPr lang="en-US" altLang="zh-TW" sz="6000" dirty="0" smtClean="0">
+              <a:latin typeface="微軟正黑體" pitchFamily="34" charset="-120"/>
+              <a:ea typeface="微軟正黑體" pitchFamily="34" charset="-120"/>
+            </a:endParaRPr>
           </a:p>
         </p:txBody>
       </p:sp>
@@ -5575,14 +5677,16 @@
           <a:lstStyle/>
           <a:p>
             <a:r>
-              <a:rPr lang="zh-TW" altLang="en-US" sz="6000" b="1" dirty="0" smtClean="0"/>
-              <a:t>所以</a:t>
-            </a:r>
-            <a:r>
-              <a:rPr lang="zh-TW" altLang="en-US" sz="6000" b="1" dirty="0" smtClean="0"/>
-              <a:t>，我親愛的弟兄們，你們務要堅固，不可搖動，常常竭力多做主工；因為知道，你們的勞苦在主裡面不是徒然的。</a:t>
-            </a:r>
-            <a:endParaRPr lang="en-US" altLang="zh-TW" sz="6000" b="1" dirty="0" smtClean="0"/>
+              <a:rPr lang="zh-TW" altLang="en-US" sz="6000" b="1" dirty="0" smtClean="0">
+                <a:latin typeface="微軟正黑體" pitchFamily="34" charset="-120"/>
+                <a:ea typeface="微軟正黑體" pitchFamily="34" charset="-120"/>
+              </a:rPr>
+              <a:t>所以，我親愛的弟兄們，你們務要堅固，不可搖動，常常竭力多做主工；因為知道，你們的勞苦在主裡面不是徒然的。</a:t>
+            </a:r>
+            <a:endParaRPr lang="en-US" altLang="zh-TW" sz="6000" b="1" dirty="0" smtClean="0">
+              <a:latin typeface="微軟正黑體" pitchFamily="34" charset="-120"/>
+              <a:ea typeface="微軟正黑體" pitchFamily="34" charset="-120"/>
+            </a:endParaRPr>
           </a:p>
         </p:txBody>
       </p:sp>

--- a/67堅守不屈.pptx
+++ b/67堅守不屈.pptx
@@ -110,6 +110,22 @@
       </a:defRPr>
     </a:lvl9pPr>
   </p:defaultTextStyle>
+  <p:extLst>
+    <p:ext uri="{EFAFB233-063F-42B5-8137-9DF3F51BA10A}">
+      <p15:sldGuideLst xmlns:p15="http://schemas.microsoft.com/office/powerpoint/2012/main">
+        <p15:guide id="1" orient="horz" pos="1620">
+          <p15:clr>
+            <a:srgbClr val="A4A3A4"/>
+          </p15:clr>
+        </p15:guide>
+        <p15:guide id="2" pos="2880">
+          <p15:clr>
+            <a:srgbClr val="A4A3A4"/>
+          </p15:clr>
+        </p15:guide>
+      </p15:sldGuideLst>
+    </p:ext>
+  </p:extLst>
 </p:presentation>
 </file>
 
@@ -295,7 +311,7 @@
             <a:fld id="{74BC4726-2204-402F-8651-3DE2807316DF}" type="datetimeFigureOut">
               <a:rPr lang="en-US" smtClean="0"/>
               <a:pPr/>
-              <a:t>8/9/2019</a:t>
+              <a:t>7/29/2023</a:t>
             </a:fld>
             <a:endParaRPr lang="en-US"/>
           </a:p>
@@ -462,7 +478,7 @@
             <a:fld id="{74BC4726-2204-402F-8651-3DE2807316DF}" type="datetimeFigureOut">
               <a:rPr lang="en-US" smtClean="0"/>
               <a:pPr/>
-              <a:t>8/9/2019</a:t>
+              <a:t>7/29/2023</a:t>
             </a:fld>
             <a:endParaRPr lang="en-US"/>
           </a:p>
@@ -639,7 +655,7 @@
             <a:fld id="{74BC4726-2204-402F-8651-3DE2807316DF}" type="datetimeFigureOut">
               <a:rPr lang="en-US" smtClean="0"/>
               <a:pPr/>
-              <a:t>8/9/2019</a:t>
+              <a:t>7/29/2023</a:t>
             </a:fld>
             <a:endParaRPr lang="en-US"/>
           </a:p>
@@ -806,7 +822,7 @@
             <a:fld id="{74BC4726-2204-402F-8651-3DE2807316DF}" type="datetimeFigureOut">
               <a:rPr lang="en-US" smtClean="0"/>
               <a:pPr/>
-              <a:t>8/9/2019</a:t>
+              <a:t>7/29/2023</a:t>
             </a:fld>
             <a:endParaRPr lang="en-US"/>
           </a:p>
@@ -1049,7 +1065,7 @@
             <a:fld id="{74BC4726-2204-402F-8651-3DE2807316DF}" type="datetimeFigureOut">
               <a:rPr lang="en-US" smtClean="0"/>
               <a:pPr/>
-              <a:t>8/9/2019</a:t>
+              <a:t>7/29/2023</a:t>
             </a:fld>
             <a:endParaRPr lang="en-US"/>
           </a:p>
@@ -1334,7 +1350,7 @@
             <a:fld id="{74BC4726-2204-402F-8651-3DE2807316DF}" type="datetimeFigureOut">
               <a:rPr lang="en-US" smtClean="0"/>
               <a:pPr/>
-              <a:t>8/9/2019</a:t>
+              <a:t>7/29/2023</a:t>
             </a:fld>
             <a:endParaRPr lang="en-US"/>
           </a:p>
@@ -1753,7 +1769,7 @@
             <a:fld id="{74BC4726-2204-402F-8651-3DE2807316DF}" type="datetimeFigureOut">
               <a:rPr lang="en-US" smtClean="0"/>
               <a:pPr/>
-              <a:t>8/9/2019</a:t>
+              <a:t>7/29/2023</a:t>
             </a:fld>
             <a:endParaRPr lang="en-US"/>
           </a:p>
@@ -1868,7 +1884,7 @@
             <a:fld id="{74BC4726-2204-402F-8651-3DE2807316DF}" type="datetimeFigureOut">
               <a:rPr lang="en-US" smtClean="0"/>
               <a:pPr/>
-              <a:t>8/9/2019</a:t>
+              <a:t>7/29/2023</a:t>
             </a:fld>
             <a:endParaRPr lang="en-US"/>
           </a:p>
@@ -1960,7 +1976,7 @@
             <a:fld id="{74BC4726-2204-402F-8651-3DE2807316DF}" type="datetimeFigureOut">
               <a:rPr lang="en-US" smtClean="0"/>
               <a:pPr/>
-              <a:t>8/9/2019</a:t>
+              <a:t>7/29/2023</a:t>
             </a:fld>
             <a:endParaRPr lang="en-US"/>
           </a:p>
@@ -2234,7 +2250,7 @@
             <a:fld id="{74BC4726-2204-402F-8651-3DE2807316DF}" type="datetimeFigureOut">
               <a:rPr lang="en-US" smtClean="0"/>
               <a:pPr/>
-              <a:t>8/9/2019</a:t>
+              <a:t>7/29/2023</a:t>
             </a:fld>
             <a:endParaRPr lang="en-US"/>
           </a:p>
@@ -2488,7 +2504,7 @@
             <a:fld id="{74BC4726-2204-402F-8651-3DE2807316DF}" type="datetimeFigureOut">
               <a:rPr lang="en-US" smtClean="0"/>
               <a:pPr/>
-              <a:t>8/9/2019</a:t>
+              <a:t>7/29/2023</a:t>
             </a:fld>
             <a:endParaRPr lang="en-US"/>
           </a:p>
@@ -2703,7 +2719,7 @@
             <a:fld id="{74BC4726-2204-402F-8651-3DE2807316DF}" type="datetimeFigureOut">
               <a:rPr lang="en-US" smtClean="0"/>
               <a:pPr/>
-              <a:t>8/9/2019</a:t>
+              <a:t>7/29/2023</a:t>
             </a:fld>
             <a:endParaRPr lang="en-US"/>
           </a:p>
@@ -3155,7 +3171,7 @@
                 <a:latin typeface="微軟正黑體" pitchFamily="34" charset="-120"/>
                 <a:ea typeface="微軟正黑體" pitchFamily="34" charset="-120"/>
               </a:rPr>
-              <a:t>腓</a:t>
+              <a:t>腓  </a:t>
             </a:r>
             <a:r>
               <a:rPr lang="en-US" altLang="zh-CN" b="1" dirty="0" smtClean="0">
@@ -3195,7 +3211,17 @@
                 <a:latin typeface="微軟正黑體" pitchFamily="34" charset="-120"/>
                 <a:ea typeface="微軟正黑體" pitchFamily="34" charset="-120"/>
               </a:rPr>
-              <a:t>；弗</a:t>
+              <a:t>；</a:t>
+            </a:r>
+            <a:r>
+              <a:rPr lang="zh-CN" altLang="en-US" b="1" dirty="0" smtClean="0">
+                <a:solidFill>
+                  <a:srgbClr val="000066"/>
+                </a:solidFill>
+                <a:latin typeface="微軟正黑體" pitchFamily="34" charset="-120"/>
+                <a:ea typeface="微軟正黑體" pitchFamily="34" charset="-120"/>
+              </a:rPr>
+              <a:t>弗  </a:t>
             </a:r>
             <a:r>
               <a:rPr lang="en-US" altLang="zh-CN" b="1" dirty="0" smtClean="0">
@@ -3247,6 +3273,8 @@
               </a:rPr>
               <a:t>18</a:t>
             </a:r>
+          </a:p>
+          <a:p>
             <a:r>
               <a:rPr lang="zh-CN" altLang="en-US" b="1" dirty="0" smtClean="0">
                 <a:solidFill>
@@ -3255,7 +3283,7 @@
                 <a:latin typeface="微軟正黑體" pitchFamily="34" charset="-120"/>
                 <a:ea typeface="微軟正黑體" pitchFamily="34" charset="-120"/>
               </a:rPr>
-              <a:t>；提後</a:t>
+              <a:t>提後  </a:t>
             </a:r>
             <a:r>
               <a:rPr lang="en-US" altLang="zh-CN" b="1" dirty="0" smtClean="0">
@@ -3315,26 +3343,7 @@
                 <a:latin typeface="微軟正黑體" pitchFamily="34" charset="-120"/>
                 <a:ea typeface="微軟正黑體" pitchFamily="34" charset="-120"/>
               </a:rPr>
-              <a:t>；</a:t>
-            </a:r>
-            <a:endParaRPr lang="en-US" altLang="zh-CN" b="1" dirty="0" smtClean="0">
-              <a:solidFill>
-                <a:srgbClr val="000066"/>
-              </a:solidFill>
-              <a:latin typeface="微軟正黑體" pitchFamily="34" charset="-120"/>
-              <a:ea typeface="微軟正黑體" pitchFamily="34" charset="-120"/>
-            </a:endParaRPr>
-          </a:p>
-          <a:p>
-            <a:r>
-              <a:rPr lang="zh-CN" altLang="en-US" b="1" dirty="0" smtClean="0">
-                <a:solidFill>
-                  <a:srgbClr val="000066"/>
-                </a:solidFill>
-                <a:latin typeface="微軟正黑體" pitchFamily="34" charset="-120"/>
-                <a:ea typeface="微軟正黑體" pitchFamily="34" charset="-120"/>
-              </a:rPr>
-              <a:t>林前</a:t>
+              <a:t>；林前  </a:t>
             </a:r>
             <a:r>
               <a:rPr lang="en-US" altLang="zh-CN" b="1" dirty="0" smtClean="0">
@@ -3407,24 +3416,30 @@
         <p:spPr>
           <a:xfrm>
             <a:off x="0" y="0"/>
-            <a:ext cx="9144000" cy="5143500"/>
+            <a:ext cx="8991600" cy="5143500"/>
           </a:xfrm>
         </p:spPr>
         <p:txBody>
-          <a:bodyPr>
+          <a:bodyPr anchor="ctr">
             <a:noAutofit/>
           </a:bodyPr>
           <a:lstStyle/>
           <a:p>
             <a:r>
-              <a:rPr lang="zh-TW" altLang="en-US" sz="4800" dirty="0" smtClean="0">
+              <a:rPr lang="zh-TW" altLang="en-US" sz="4800" dirty="0">
+                <a:solidFill>
+                  <a:srgbClr val="660033"/>
+                </a:solidFill>
                 <a:latin typeface="微軟正黑體" pitchFamily="34" charset="-120"/>
                 <a:ea typeface="微軟正黑體" pitchFamily="34" charset="-120"/>
               </a:rPr>
               <a:t>只要你們行事為人與基督的福音相稱，叫我或來見你們，或不在你們那裡，可以聽見你們的景況，知道你們同有一個心志，站立得穩，為所信的福音齊心努力。</a:t>
             </a:r>
             <a:r>
-              <a:rPr lang="en-US" altLang="zh-TW" sz="4800" dirty="0" smtClean="0">
+              <a:rPr lang="en-US" altLang="zh-TW" sz="4800" dirty="0">
+                <a:solidFill>
+                  <a:srgbClr val="660033"/>
+                </a:solidFill>
                 <a:latin typeface="微軟正黑體" pitchFamily="34" charset="-120"/>
                 <a:ea typeface="微軟正黑體" pitchFamily="34" charset="-120"/>
               </a:rPr>
@@ -3471,24 +3486,30 @@
         <p:spPr>
           <a:xfrm>
             <a:off x="0" y="0"/>
-            <a:ext cx="9144000" cy="5143500"/>
+            <a:ext cx="8991600" cy="5143500"/>
           </a:xfrm>
         </p:spPr>
         <p:txBody>
-          <a:bodyPr>
+          <a:bodyPr anchor="ctr">
             <a:noAutofit/>
           </a:bodyPr>
           <a:lstStyle/>
           <a:p>
             <a:r>
-              <a:rPr lang="zh-TW" altLang="en-US" sz="4800" b="1" dirty="0" smtClean="0">
+              <a:rPr lang="zh-TW" altLang="en-US" sz="4800" b="1" dirty="0">
+                <a:solidFill>
+                  <a:srgbClr val="660033"/>
+                </a:solidFill>
                 <a:latin typeface="微軟正黑體" pitchFamily="34" charset="-120"/>
                 <a:ea typeface="微軟正黑體" pitchFamily="34" charset="-120"/>
               </a:rPr>
               <a:t>我還有末了的話：你們要靠著主，倚賴他的大能大力作剛強的人。要穿戴神所賜的全副軍裝，就能抵擋魔鬼的詭計。</a:t>
             </a:r>
             <a:r>
-              <a:rPr lang="en-US" altLang="zh-TW" sz="4800" b="1" dirty="0" smtClean="0">
+              <a:rPr lang="en-US" altLang="zh-TW" sz="4800" b="1" dirty="0">
+                <a:solidFill>
+                  <a:srgbClr val="660033"/>
+                </a:solidFill>
                 <a:latin typeface="微軟正黑體" pitchFamily="34" charset="-120"/>
                 <a:ea typeface="微軟正黑體" pitchFamily="34" charset="-120"/>
               </a:rPr>
@@ -3539,26 +3560,35 @@
           </a:xfrm>
         </p:spPr>
         <p:txBody>
-          <a:bodyPr>
+          <a:bodyPr anchor="ctr">
             <a:noAutofit/>
           </a:bodyPr>
           <a:lstStyle/>
           <a:p>
             <a:r>
               <a:rPr lang="zh-TW" altLang="en-US" sz="4800" dirty="0">
+                <a:solidFill>
+                  <a:srgbClr val="660033"/>
+                </a:solidFill>
                 <a:latin typeface="微軟正黑體" pitchFamily="34" charset="-120"/>
                 <a:ea typeface="微軟正黑體" pitchFamily="34" charset="-120"/>
               </a:rPr>
               <a:t>因我們並不是與屬血氣的爭戰，乃是與那些執政的、掌權的、管轄這幽暗世界的，以及天空屬靈氣的惡魔爭戰</a:t>
             </a:r>
             <a:r>
-              <a:rPr lang="zh-TW" altLang="en-US" sz="4800" dirty="0" smtClean="0">
+              <a:rPr lang="zh-TW" altLang="en-US" sz="4800" dirty="0">
+                <a:solidFill>
+                  <a:srgbClr val="660033"/>
+                </a:solidFill>
                 <a:latin typeface="微軟正黑體" pitchFamily="34" charset="-120"/>
                 <a:ea typeface="微軟正黑體" pitchFamily="34" charset="-120"/>
               </a:rPr>
               <a:t>。</a:t>
             </a:r>
             <a:endParaRPr lang="en-US" altLang="zh-TW" sz="4800" dirty="0">
+              <a:solidFill>
+                <a:srgbClr val="660033"/>
+              </a:solidFill>
               <a:latin typeface="微軟正黑體" pitchFamily="34" charset="-120"/>
               <a:ea typeface="微軟正黑體" pitchFamily="34" charset="-120"/>
             </a:endParaRPr>
@@ -3603,23 +3633,29 @@
         <p:spPr>
           <a:xfrm>
             <a:off x="0" y="0"/>
-            <a:ext cx="9144000" cy="5143500"/>
+            <a:ext cx="8915400" cy="5143500"/>
           </a:xfrm>
         </p:spPr>
         <p:txBody>
-          <a:bodyPr>
+          <a:bodyPr anchor="ctr">
             <a:noAutofit/>
           </a:bodyPr>
           <a:lstStyle/>
           <a:p>
             <a:r>
-              <a:rPr lang="zh-TW" altLang="en-US" sz="4800" b="1" dirty="0" smtClean="0">
+              <a:rPr lang="zh-TW" altLang="en-US" sz="4800" b="1" dirty="0">
+                <a:solidFill>
+                  <a:srgbClr val="660033"/>
+                </a:solidFill>
                 <a:latin typeface="微軟正黑體" pitchFamily="34" charset="-120"/>
                 <a:ea typeface="微軟正黑體" pitchFamily="34" charset="-120"/>
               </a:rPr>
               <a:t>所以，要拿起神所賜的全副軍裝，好在磨難的日子抵擋仇敵，並且成就了一切，還能站立得住。</a:t>
             </a:r>
             <a:endParaRPr lang="en-US" altLang="zh-TW" sz="4800" b="1" dirty="0">
+              <a:solidFill>
+                <a:srgbClr val="660033"/>
+              </a:solidFill>
               <a:latin typeface="微軟正黑體" pitchFamily="34" charset="-120"/>
               <a:ea typeface="微軟正黑體" pitchFamily="34" charset="-120"/>
             </a:endParaRPr>
@@ -3668,19 +3704,25 @@
           </a:xfrm>
         </p:spPr>
         <p:txBody>
-          <a:bodyPr>
+          <a:bodyPr anchor="ctr">
             <a:noAutofit/>
           </a:bodyPr>
           <a:lstStyle/>
           <a:p>
             <a:r>
               <a:rPr lang="zh-TW" altLang="en-US" sz="4800" dirty="0">
+                <a:solidFill>
+                  <a:srgbClr val="660033"/>
+                </a:solidFill>
                 <a:latin typeface="微軟正黑體" pitchFamily="34" charset="-120"/>
                 <a:ea typeface="微軟正黑體" pitchFamily="34" charset="-120"/>
               </a:rPr>
               <a:t>靠著聖靈，隨時多方禱告祈求；並要在此警醒不倦，為眾聖徒祈求，</a:t>
             </a:r>
             <a:endParaRPr lang="en-US" altLang="zh-TW" sz="4800" dirty="0">
+              <a:solidFill>
+                <a:srgbClr val="660033"/>
+              </a:solidFill>
               <a:latin typeface="微軟正黑體" pitchFamily="34" charset="-120"/>
               <a:ea typeface="微軟正黑體" pitchFamily="34" charset="-120"/>
             </a:endParaRPr>
@@ -3688,12 +3730,18 @@
           <a:p>
             <a:r>
               <a:rPr lang="zh-TW" altLang="en-US" sz="4800" b="1" dirty="0">
+                <a:solidFill>
+                  <a:srgbClr val="660033"/>
+                </a:solidFill>
                 <a:latin typeface="微軟正黑體" pitchFamily="34" charset="-120"/>
                 <a:ea typeface="微軟正黑體" pitchFamily="34" charset="-120"/>
               </a:rPr>
               <a:t>你要在基督耶穌的恩典上剛強起來。你要和我同受苦難，好像基督耶穌的精兵。</a:t>
             </a:r>
             <a:endParaRPr lang="en-US" altLang="zh-TW" sz="4800" b="1" dirty="0">
+              <a:solidFill>
+                <a:srgbClr val="660033"/>
+              </a:solidFill>
               <a:latin typeface="微軟正黑體" pitchFamily="34" charset="-120"/>
               <a:ea typeface="微軟正黑體" pitchFamily="34" charset="-120"/>
             </a:endParaRPr>
@@ -3738,30 +3786,39 @@
         <p:spPr>
           <a:xfrm>
             <a:off x="0" y="0"/>
-            <a:ext cx="9144000" cy="5143500"/>
+            <a:ext cx="8991600" cy="5143500"/>
           </a:xfrm>
         </p:spPr>
         <p:txBody>
-          <a:bodyPr>
+          <a:bodyPr anchor="ctr">
             <a:noAutofit/>
           </a:bodyPr>
           <a:lstStyle/>
           <a:p>
             <a:r>
               <a:rPr lang="zh-TW" altLang="en-US" sz="4800" dirty="0">
+                <a:solidFill>
+                  <a:srgbClr val="660033"/>
+                </a:solidFill>
                 <a:latin typeface="微軟正黑體" pitchFamily="34" charset="-120"/>
                 <a:ea typeface="微軟正黑體" pitchFamily="34" charset="-120"/>
               </a:rPr>
               <a:t>凡在軍中當兵的，不將世務纏身，好叫那招他當兵的人喜悅</a:t>
             </a:r>
             <a:r>
-              <a:rPr lang="zh-TW" altLang="en-US" sz="4800" dirty="0" smtClean="0">
+              <a:rPr lang="zh-TW" altLang="en-US" sz="4800" dirty="0">
+                <a:solidFill>
+                  <a:srgbClr val="660033"/>
+                </a:solidFill>
                 <a:latin typeface="微軟正黑體" pitchFamily="34" charset="-120"/>
                 <a:ea typeface="微軟正黑體" pitchFamily="34" charset="-120"/>
               </a:rPr>
               <a:t>。</a:t>
             </a:r>
-            <a:endParaRPr lang="en-US" altLang="zh-TW" sz="4800" dirty="0" smtClean="0">
+            <a:endParaRPr lang="en-US" altLang="zh-TW" sz="4800" dirty="0">
+              <a:solidFill>
+                <a:srgbClr val="660033"/>
+              </a:solidFill>
               <a:latin typeface="微軟正黑體" pitchFamily="34" charset="-120"/>
               <a:ea typeface="微軟正黑體" pitchFamily="34" charset="-120"/>
             </a:endParaRPr>
@@ -3769,19 +3826,28 @@
           <a:p>
             <a:r>
               <a:rPr lang="zh-TW" altLang="en-US" sz="4800" b="1" dirty="0">
+                <a:solidFill>
+                  <a:srgbClr val="660033"/>
+                </a:solidFill>
                 <a:latin typeface="微軟正黑體" pitchFamily="34" charset="-120"/>
                 <a:ea typeface="微軟正黑體" pitchFamily="34" charset="-120"/>
               </a:rPr>
               <a:t>所以，我親愛的弟兄們，你們務要堅固，不可搖動，常常竭力多做主工；因為知道，你們的勞苦在主裡面不是徒然的</a:t>
             </a:r>
             <a:r>
-              <a:rPr lang="zh-TW" altLang="en-US" sz="4800" b="1" dirty="0" smtClean="0">
+              <a:rPr lang="zh-TW" altLang="en-US" sz="4800" b="1" dirty="0">
+                <a:solidFill>
+                  <a:srgbClr val="660033"/>
+                </a:solidFill>
                 <a:latin typeface="微軟正黑體" pitchFamily="34" charset="-120"/>
                 <a:ea typeface="微軟正黑體" pitchFamily="34" charset="-120"/>
               </a:rPr>
               <a:t>。</a:t>
             </a:r>
             <a:endParaRPr lang="en-US" altLang="zh-TW" sz="4800" b="1" dirty="0">
+              <a:solidFill>
+                <a:srgbClr val="660033"/>
+              </a:solidFill>
               <a:latin typeface="微軟正黑體" pitchFamily="34" charset="-120"/>
               <a:ea typeface="微軟正黑體" pitchFamily="34" charset="-120"/>
             </a:endParaRPr>
